--- a/SmartParking-3Sprint.pptx
+++ b/SmartParking-3Sprint.pptx
@@ -21124,7 +21124,7 @@
         </p:nvSpPr>
         <p:spPr>
           <a:xfrm>
-            <a:off x="-1356869" y="2564773"/>
+            <a:off x="-1397960" y="3314015"/>
             <a:ext cx="189513" cy="161270"/>
           </a:xfrm>
           <a:custGeom>
@@ -25129,7 +25129,7 @@
                 <a14:imgProps xmlns:a14="http://schemas.microsoft.com/office/drawing/2010/main">
                   <a14:imgLayer r:embed="rId5">
                     <a14:imgEffect>
-                      <a14:backgroundRemoval t="9222" b="91643" l="2841" r="96023">
+                      <a14:backgroundRemoval t="6052" b="92507" l="2841" r="96591">
                         <a14:foregroundMark x1="26705" y1="27378" x2="26705" y2="27378"/>
                         <a14:foregroundMark x1="26326" y1="28818" x2="26326" y2="28818"/>
                         <a14:foregroundMark x1="23674" y1="30259" x2="23674" y2="30259"/>
@@ -25156,6 +25156,27 @@
                         <a14:foregroundMark x1="35227" y1="27954" x2="35227" y2="27954"/>
                         <a14:foregroundMark x1="39394" y1="19597" x2="39394" y2="19597"/>
                         <a14:foregroundMark x1="43750" y1="12392" x2="43750" y2="12392"/>
+                        <a14:foregroundMark x1="45265" y1="64265" x2="45265" y2="64265"/>
+                        <a14:foregroundMark x1="56629" y1="49280" x2="56629" y2="49280"/>
+                        <a14:foregroundMark x1="48295" y1="46398" x2="48295" y2="46398"/>
+                        <a14:foregroundMark x1="45833" y1="49856" x2="45833" y2="49856"/>
+                        <a14:foregroundMark x1="35985" y1="51585" x2="35985" y2="51585"/>
+                        <a14:foregroundMark x1="29735" y1="70029" x2="29735" y2="70029"/>
+                        <a14:foregroundMark x1="54167" y1="69452" x2="54167" y2="69452"/>
+                        <a14:foregroundMark x1="66477" y1="69452" x2="68750" y2="70893"/>
+                        <a14:foregroundMark x1="73295" y1="73775" x2="73295" y2="73775"/>
+                        <a14:foregroundMark x1="74242" y1="66282" x2="74242" y2="66282"/>
+                        <a14:foregroundMark x1="74242" y1="66282" x2="72348" y2="64841"/>
+                        <a14:foregroundMark x1="64962" y1="55331" x2="63447" y2="45533"/>
+                        <a14:foregroundMark x1="62500" y1="40922" x2="62879" y2="32853"/>
+                        <a14:foregroundMark x1="62879" y1="32853" x2="33523" y2="68012"/>
+                        <a14:foregroundMark x1="39015" y1="25360" x2="39962" y2="20173"/>
+                        <a14:foregroundMark x1="47348" y1="10663" x2="47348" y2="10663"/>
+                        <a14:foregroundMark x1="62500" y1="8934" x2="62500" y2="8934"/>
+                        <a14:foregroundMark x1="62500" y1="6916" x2="56629" y2="6052"/>
+                        <a14:foregroundMark x1="90909" y1="46974" x2="90909" y2="46974"/>
+                        <a14:foregroundMark x1="96780" y1="62536" x2="96780" y2="62536"/>
+                        <a14:foregroundMark x1="46780" y1="92507" x2="46780" y2="92507"/>
                       </a14:backgroundRemoval>
                     </a14:imgEffect>
                   </a14:imgLayer>
@@ -25169,12 +25190,13 @@
         </p:blipFill>
         <p:spPr>
           <a:xfrm>
-            <a:off x="2600464" y="1002568"/>
+            <a:off x="2598028" y="972809"/>
             <a:ext cx="2030300" cy="1334308"/>
           </a:xfrm>
           <a:prstGeom prst="rect">
             <a:avLst/>
           </a:prstGeom>
+          <a:noFill/>
         </p:spPr>
       </p:pic>
       <p:sp>
